--- a/Slack Stealing.pptx
+++ b/Slack Stealing.pptx
@@ -6057,7 +6057,7 @@
           <a:p>
             <a:fld id="{004B8655-51CC-492A-996E-D269C134BA84}" type="datetimeFigureOut">
               <a:rPr lang="en-DE" smtClean="0"/>
-              <a:t>12/06/2022</a:t>
+              <a:t>18/06/2022</a:t>
             </a:fld>
             <a:endParaRPr lang="en-DE"/>
           </a:p>
@@ -6257,7 +6257,7 @@
           <a:p>
             <a:fld id="{004B8655-51CC-492A-996E-D269C134BA84}" type="datetimeFigureOut">
               <a:rPr lang="en-DE" smtClean="0"/>
-              <a:t>12/06/2022</a:t>
+              <a:t>18/06/2022</a:t>
             </a:fld>
             <a:endParaRPr lang="en-DE"/>
           </a:p>
@@ -6467,7 +6467,7 @@
           <a:p>
             <a:fld id="{004B8655-51CC-492A-996E-D269C134BA84}" type="datetimeFigureOut">
               <a:rPr lang="en-DE" smtClean="0"/>
-              <a:t>12/06/2022</a:t>
+              <a:t>18/06/2022</a:t>
             </a:fld>
             <a:endParaRPr lang="en-DE"/>
           </a:p>
@@ -6667,7 +6667,7 @@
           <a:p>
             <a:fld id="{004B8655-51CC-492A-996E-D269C134BA84}" type="datetimeFigureOut">
               <a:rPr lang="en-DE" smtClean="0"/>
-              <a:t>12/06/2022</a:t>
+              <a:t>18/06/2022</a:t>
             </a:fld>
             <a:endParaRPr lang="en-DE"/>
           </a:p>
@@ -6943,7 +6943,7 @@
           <a:p>
             <a:fld id="{004B8655-51CC-492A-996E-D269C134BA84}" type="datetimeFigureOut">
               <a:rPr lang="en-DE" smtClean="0"/>
-              <a:t>12/06/2022</a:t>
+              <a:t>18/06/2022</a:t>
             </a:fld>
             <a:endParaRPr lang="en-DE"/>
           </a:p>
@@ -7211,7 +7211,7 @@
           <a:p>
             <a:fld id="{004B8655-51CC-492A-996E-D269C134BA84}" type="datetimeFigureOut">
               <a:rPr lang="en-DE" smtClean="0"/>
-              <a:t>12/06/2022</a:t>
+              <a:t>18/06/2022</a:t>
             </a:fld>
             <a:endParaRPr lang="en-DE"/>
           </a:p>
@@ -7626,7 +7626,7 @@
           <a:p>
             <a:fld id="{004B8655-51CC-492A-996E-D269C134BA84}" type="datetimeFigureOut">
               <a:rPr lang="en-DE" smtClean="0"/>
-              <a:t>12/06/2022</a:t>
+              <a:t>18/06/2022</a:t>
             </a:fld>
             <a:endParaRPr lang="en-DE"/>
           </a:p>
@@ -7768,7 +7768,7 @@
           <a:p>
             <a:fld id="{004B8655-51CC-492A-996E-D269C134BA84}" type="datetimeFigureOut">
               <a:rPr lang="en-DE" smtClean="0"/>
-              <a:t>12/06/2022</a:t>
+              <a:t>18/06/2022</a:t>
             </a:fld>
             <a:endParaRPr lang="en-DE"/>
           </a:p>
@@ -7881,7 +7881,7 @@
           <a:p>
             <a:fld id="{004B8655-51CC-492A-996E-D269C134BA84}" type="datetimeFigureOut">
               <a:rPr lang="en-DE" smtClean="0"/>
-              <a:t>12/06/2022</a:t>
+              <a:t>18/06/2022</a:t>
             </a:fld>
             <a:endParaRPr lang="en-DE"/>
           </a:p>
@@ -8194,7 +8194,7 @@
           <a:p>
             <a:fld id="{004B8655-51CC-492A-996E-D269C134BA84}" type="datetimeFigureOut">
               <a:rPr lang="en-DE" smtClean="0"/>
-              <a:t>12/06/2022</a:t>
+              <a:t>18/06/2022</a:t>
             </a:fld>
             <a:endParaRPr lang="en-DE"/>
           </a:p>
@@ -8483,7 +8483,7 @@
           <a:p>
             <a:fld id="{004B8655-51CC-492A-996E-D269C134BA84}" type="datetimeFigureOut">
               <a:rPr lang="en-DE" smtClean="0"/>
-              <a:t>12/06/2022</a:t>
+              <a:t>18/06/2022</a:t>
             </a:fld>
             <a:endParaRPr lang="en-DE"/>
           </a:p>
@@ -8726,7 +8726,7 @@
           <a:p>
             <a:fld id="{004B8655-51CC-492A-996E-D269C134BA84}" type="datetimeFigureOut">
               <a:rPr lang="en-DE" smtClean="0"/>
-              <a:t>12/06/2022</a:t>
+              <a:t>18/06/2022</a:t>
             </a:fld>
             <a:endParaRPr lang="en-DE"/>
           </a:p>
@@ -21739,12 +21739,12 @@
                         </a:tabLst>
                       </a:pPr>
                       <a:r>
-                        <a:rPr lang="en-US" sz="1900" spc="-5">
+                        <a:rPr lang="en-US" sz="1900" spc="-5" dirty="0">
                           <a:effectLst/>
                         </a:rPr>
                         <a:t>4</a:t>
                       </a:r>
-                      <a:endParaRPr lang="en-DE" sz="1900" spc="-5">
+                      <a:endParaRPr lang="en-DE" sz="1900" spc="-5" dirty="0">
                         <a:effectLst/>
                         <a:latin typeface="Times New Roman" panose="02020603050405020304" pitchFamily="18" charset="0"/>
                         <a:ea typeface="SimSun" panose="02010600030101010101" pitchFamily="2" charset="-122"/>
